--- a/Paper/Iteration_0/Figures.pptx
+++ b/Paper/Iteration_0/Figures.pptx
@@ -243,7 +243,7 @@
           <a:p>
             <a:fld id="{CED44730-8609-42F6-A1F6-0EFDC4C66E50}" type="datetimeFigureOut">
               <a:rPr lang="en-US" smtClean="0"/>
-              <a:t>12/3/2023</a:t>
+              <a:t>2/15/2024</a:t>
             </a:fld>
             <a:endParaRPr lang="en-US"/>
           </a:p>
@@ -413,7 +413,7 @@
           <a:p>
             <a:fld id="{CED44730-8609-42F6-A1F6-0EFDC4C66E50}" type="datetimeFigureOut">
               <a:rPr lang="en-US" smtClean="0"/>
-              <a:t>12/3/2023</a:t>
+              <a:t>2/15/2024</a:t>
             </a:fld>
             <a:endParaRPr lang="en-US"/>
           </a:p>
@@ -593,7 +593,7 @@
           <a:p>
             <a:fld id="{CED44730-8609-42F6-A1F6-0EFDC4C66E50}" type="datetimeFigureOut">
               <a:rPr lang="en-US" smtClean="0"/>
-              <a:t>12/3/2023</a:t>
+              <a:t>2/15/2024</a:t>
             </a:fld>
             <a:endParaRPr lang="en-US"/>
           </a:p>
@@ -763,7 +763,7 @@
           <a:p>
             <a:fld id="{CED44730-8609-42F6-A1F6-0EFDC4C66E50}" type="datetimeFigureOut">
               <a:rPr lang="en-US" smtClean="0"/>
-              <a:t>12/3/2023</a:t>
+              <a:t>2/15/2024</a:t>
             </a:fld>
             <a:endParaRPr lang="en-US"/>
           </a:p>
@@ -1007,7 +1007,7 @@
           <a:p>
             <a:fld id="{CED44730-8609-42F6-A1F6-0EFDC4C66E50}" type="datetimeFigureOut">
               <a:rPr lang="en-US" smtClean="0"/>
-              <a:t>12/3/2023</a:t>
+              <a:t>2/15/2024</a:t>
             </a:fld>
             <a:endParaRPr lang="en-US"/>
           </a:p>
@@ -1239,7 +1239,7 @@
           <a:p>
             <a:fld id="{CED44730-8609-42F6-A1F6-0EFDC4C66E50}" type="datetimeFigureOut">
               <a:rPr lang="en-US" smtClean="0"/>
-              <a:t>12/3/2023</a:t>
+              <a:t>2/15/2024</a:t>
             </a:fld>
             <a:endParaRPr lang="en-US"/>
           </a:p>
@@ -1606,7 +1606,7 @@
           <a:p>
             <a:fld id="{CED44730-8609-42F6-A1F6-0EFDC4C66E50}" type="datetimeFigureOut">
               <a:rPr lang="en-US" smtClean="0"/>
-              <a:t>12/3/2023</a:t>
+              <a:t>2/15/2024</a:t>
             </a:fld>
             <a:endParaRPr lang="en-US"/>
           </a:p>
@@ -1724,7 +1724,7 @@
           <a:p>
             <a:fld id="{CED44730-8609-42F6-A1F6-0EFDC4C66E50}" type="datetimeFigureOut">
               <a:rPr lang="en-US" smtClean="0"/>
-              <a:t>12/3/2023</a:t>
+              <a:t>2/15/2024</a:t>
             </a:fld>
             <a:endParaRPr lang="en-US"/>
           </a:p>
@@ -1819,7 +1819,7 @@
           <a:p>
             <a:fld id="{CED44730-8609-42F6-A1F6-0EFDC4C66E50}" type="datetimeFigureOut">
               <a:rPr lang="en-US" smtClean="0"/>
-              <a:t>12/3/2023</a:t>
+              <a:t>2/15/2024</a:t>
             </a:fld>
             <a:endParaRPr lang="en-US"/>
           </a:p>
@@ -2096,7 +2096,7 @@
           <a:p>
             <a:fld id="{CED44730-8609-42F6-A1F6-0EFDC4C66E50}" type="datetimeFigureOut">
               <a:rPr lang="en-US" smtClean="0"/>
-              <a:t>12/3/2023</a:t>
+              <a:t>2/15/2024</a:t>
             </a:fld>
             <a:endParaRPr lang="en-US"/>
           </a:p>
@@ -2353,7 +2353,7 @@
           <a:p>
             <a:fld id="{CED44730-8609-42F6-A1F6-0EFDC4C66E50}" type="datetimeFigureOut">
               <a:rPr lang="en-US" smtClean="0"/>
-              <a:t>12/3/2023</a:t>
+              <a:t>2/15/2024</a:t>
             </a:fld>
             <a:endParaRPr lang="en-US"/>
           </a:p>
@@ -2566,7 +2566,7 @@
           <a:p>
             <a:fld id="{CED44730-8609-42F6-A1F6-0EFDC4C66E50}" type="datetimeFigureOut">
               <a:rPr lang="en-US" smtClean="0"/>
-              <a:t>12/3/2023</a:t>
+              <a:t>2/15/2024</a:t>
             </a:fld>
             <a:endParaRPr lang="en-US"/>
           </a:p>
@@ -2973,10 +2973,10 @@
       </p:grpSpPr>
       <p:grpSp>
         <p:nvGrpSpPr>
-          <p:cNvPr id="26" name="Group 25">
+          <p:cNvPr id="21" name="Group 20">
             <a:extLst>
               <a:ext uri="{FF2B5EF4-FFF2-40B4-BE49-F238E27FC236}">
-                <a16:creationId xmlns:a16="http://schemas.microsoft.com/office/drawing/2014/main" id="{0F1B0366-B97B-CF2F-D08D-723648584A76}"/>
+                <a16:creationId xmlns:a16="http://schemas.microsoft.com/office/drawing/2014/main" id="{274A84EB-B5C3-815E-3994-1DD743390AC4}"/>
               </a:ext>
             </a:extLst>
           </p:cNvPr>
@@ -3045,6 +3045,36 @@
         </p:sp>
         <p:pic>
           <p:nvPicPr>
+            <p:cNvPr id="16" name="Picture 15">
+              <a:extLst>
+                <a:ext uri="{FF2B5EF4-FFF2-40B4-BE49-F238E27FC236}">
+                  <a16:creationId xmlns:a16="http://schemas.microsoft.com/office/drawing/2014/main" id="{FCD78136-BBEB-F385-CCDC-E99BDDE75676}"/>
+                </a:ext>
+              </a:extLst>
+            </p:cNvPr>
+            <p:cNvPicPr>
+              <a:picLocks noChangeAspect="1"/>
+            </p:cNvPicPr>
+            <p:nvPr/>
+          </p:nvPicPr>
+          <p:blipFill>
+            <a:blip r:embed="rId2"/>
+            <a:stretch>
+              <a:fillRect/>
+            </a:stretch>
+          </p:blipFill>
+          <p:spPr>
+            <a:xfrm>
+              <a:off x="6987595" y="1922950"/>
+              <a:ext cx="13386469" cy="9668004"/>
+            </a:xfrm>
+            <a:prstGeom prst="rect">
+              <a:avLst/>
+            </a:prstGeom>
+          </p:spPr>
+        </p:pic>
+        <p:pic>
+          <p:nvPicPr>
             <p:cNvPr id="13" name="Picture 12">
               <a:extLst>
                 <a:ext uri="{FF2B5EF4-FFF2-40B4-BE49-F238E27FC236}">
@@ -3058,7 +3088,7 @@
             <p:nvPr/>
           </p:nvPicPr>
           <p:blipFill>
-            <a:blip r:embed="rId2"/>
+            <a:blip r:embed="rId3"/>
             <a:stretch>
               <a:fillRect/>
             </a:stretch>
@@ -3088,7 +3118,7 @@
             <p:nvPr/>
           </p:nvPicPr>
           <p:blipFill>
-            <a:blip r:embed="rId2"/>
+            <a:blip r:embed="rId3"/>
             <a:stretch>
               <a:fillRect/>
             </a:stretch>
@@ -3473,41 +3503,6 @@
             </a:p>
           </p:txBody>
         </p:sp>
-        <p:pic>
-          <p:nvPicPr>
-            <p:cNvPr id="17" name="Picture 16">
-              <a:extLst>
-                <a:ext uri="{FF2B5EF4-FFF2-40B4-BE49-F238E27FC236}">
-                  <a16:creationId xmlns:a16="http://schemas.microsoft.com/office/drawing/2014/main" id="{29D85997-5A16-EE93-8497-43C45BD0A682}"/>
-                </a:ext>
-              </a:extLst>
-            </p:cNvPr>
-            <p:cNvPicPr>
-              <a:picLocks noChangeAspect="1"/>
-            </p:cNvPicPr>
-            <p:nvPr/>
-          </p:nvPicPr>
-          <p:blipFill>
-            <a:blip r:embed="rId3"/>
-            <a:stretch>
-              <a:fillRect/>
-            </a:stretch>
-          </p:blipFill>
-          <p:spPr>
-            <a:xfrm>
-              <a:off x="7102825" y="2102271"/>
-              <a:ext cx="13226349" cy="9373124"/>
-            </a:xfrm>
-            <a:prstGeom prst="rect">
-              <a:avLst/>
-            </a:prstGeom>
-            <a:ln w="63500">
-              <a:solidFill>
-                <a:schemeClr val="tx1"/>
-              </a:solidFill>
-            </a:ln>
-          </p:spPr>
-        </p:pic>
         <p:cxnSp>
           <p:nvCxnSpPr>
             <p:cNvPr id="19" name="Connector: Curved 18">
@@ -3519,15 +3514,15 @@
             </p:cNvPr>
             <p:cNvCxnSpPr>
               <a:cxnSpLocks/>
-              <a:stCxn id="17" idx="2"/>
+              <a:stCxn id="16" idx="2"/>
               <a:endCxn id="10" idx="0"/>
             </p:cNvCxnSpPr>
             <p:nvPr/>
           </p:nvCxnSpPr>
           <p:spPr>
             <a:xfrm rot="5400000">
-              <a:off x="8923729" y="8379716"/>
-              <a:ext cx="1696592" cy="7887951"/>
+              <a:off x="8963924" y="8455080"/>
+              <a:ext cx="1581033" cy="7852781"/>
             </a:xfrm>
             <a:prstGeom prst="curvedConnector3">
               <a:avLst>
